--- a/test-springmvc/doc/3.JPA+Spring.pptx
+++ b/test-springmvc/doc/3.JPA+Spring.pptx
@@ -34,8 +34,9 @@
     <p:sldId id="379" r:id="rId28"/>
     <p:sldId id="380" r:id="rId29"/>
     <p:sldId id="381" r:id="rId30"/>
-    <p:sldId id="382" r:id="rId31"/>
-    <p:sldId id="259" r:id="rId32"/>
+    <p:sldId id="385" r:id="rId31"/>
+    <p:sldId id="382" r:id="rId32"/>
+    <p:sldId id="259" r:id="rId33"/>
   </p:sldIdLst>
   <p:sldSz cx="12192000" cy="6858000"/>
   <p:notesSz cx="6858000" cy="9144000"/>
@@ -271,7 +272,7 @@
           <a:p>
             <a:fld id="{6E8ECDC8-BA8A-40BE-ADB5-07E1343FAE8E}" type="datetimeFigureOut">
               <a:rPr lang="zh-TW" altLang="en-US" smtClean="0"/>
-              <a:t>2018-11-14</a:t>
+              <a:t>2018-11-15</a:t>
             </a:fld>
             <a:endParaRPr lang="zh-TW" altLang="en-US"/>
           </a:p>
@@ -439,7 +440,7 @@
           <a:p>
             <a:fld id="{6E8ECDC8-BA8A-40BE-ADB5-07E1343FAE8E}" type="datetimeFigureOut">
               <a:rPr lang="zh-TW" altLang="en-US" smtClean="0"/>
-              <a:t>2018-11-14</a:t>
+              <a:t>2018-11-15</a:t>
             </a:fld>
             <a:endParaRPr lang="zh-TW" altLang="en-US"/>
           </a:p>
@@ -617,7 +618,7 @@
           <a:p>
             <a:fld id="{6E8ECDC8-BA8A-40BE-ADB5-07E1343FAE8E}" type="datetimeFigureOut">
               <a:rPr lang="zh-TW" altLang="en-US" smtClean="0"/>
-              <a:t>2018-11-14</a:t>
+              <a:t>2018-11-15</a:t>
             </a:fld>
             <a:endParaRPr lang="zh-TW" altLang="en-US"/>
           </a:p>
@@ -785,7 +786,7 @@
           <a:p>
             <a:fld id="{6E8ECDC8-BA8A-40BE-ADB5-07E1343FAE8E}" type="datetimeFigureOut">
               <a:rPr lang="zh-TW" altLang="en-US" smtClean="0"/>
-              <a:t>2018-11-14</a:t>
+              <a:t>2018-11-15</a:t>
             </a:fld>
             <a:endParaRPr lang="zh-TW" altLang="en-US"/>
           </a:p>
@@ -1030,7 +1031,7 @@
           <a:p>
             <a:fld id="{6E8ECDC8-BA8A-40BE-ADB5-07E1343FAE8E}" type="datetimeFigureOut">
               <a:rPr lang="zh-TW" altLang="en-US" smtClean="0"/>
-              <a:t>2018-11-14</a:t>
+              <a:t>2018-11-15</a:t>
             </a:fld>
             <a:endParaRPr lang="zh-TW" altLang="en-US"/>
           </a:p>
@@ -1259,7 +1260,7 @@
           <a:p>
             <a:fld id="{6E8ECDC8-BA8A-40BE-ADB5-07E1343FAE8E}" type="datetimeFigureOut">
               <a:rPr lang="zh-TW" altLang="en-US" smtClean="0"/>
-              <a:t>2018-11-14</a:t>
+              <a:t>2018-11-15</a:t>
             </a:fld>
             <a:endParaRPr lang="zh-TW" altLang="en-US"/>
           </a:p>
@@ -1623,7 +1624,7 @@
           <a:p>
             <a:fld id="{6E8ECDC8-BA8A-40BE-ADB5-07E1343FAE8E}" type="datetimeFigureOut">
               <a:rPr lang="zh-TW" altLang="en-US" smtClean="0"/>
-              <a:t>2018-11-14</a:t>
+              <a:t>2018-11-15</a:t>
             </a:fld>
             <a:endParaRPr lang="zh-TW" altLang="en-US"/>
           </a:p>
@@ -1740,7 +1741,7 @@
           <a:p>
             <a:fld id="{6E8ECDC8-BA8A-40BE-ADB5-07E1343FAE8E}" type="datetimeFigureOut">
               <a:rPr lang="zh-TW" altLang="en-US" smtClean="0"/>
-              <a:t>2018-11-14</a:t>
+              <a:t>2018-11-15</a:t>
             </a:fld>
             <a:endParaRPr lang="zh-TW" altLang="en-US"/>
           </a:p>
@@ -1835,7 +1836,7 @@
           <a:p>
             <a:fld id="{6E8ECDC8-BA8A-40BE-ADB5-07E1343FAE8E}" type="datetimeFigureOut">
               <a:rPr lang="zh-TW" altLang="en-US" smtClean="0"/>
-              <a:t>2018-11-14</a:t>
+              <a:t>2018-11-15</a:t>
             </a:fld>
             <a:endParaRPr lang="zh-TW" altLang="en-US"/>
           </a:p>
@@ -2110,7 +2111,7 @@
           <a:p>
             <a:fld id="{6E8ECDC8-BA8A-40BE-ADB5-07E1343FAE8E}" type="datetimeFigureOut">
               <a:rPr lang="zh-TW" altLang="en-US" smtClean="0"/>
-              <a:t>2018-11-14</a:t>
+              <a:t>2018-11-15</a:t>
             </a:fld>
             <a:endParaRPr lang="zh-TW" altLang="en-US"/>
           </a:p>
@@ -2362,7 +2363,7 @@
           <a:p>
             <a:fld id="{6E8ECDC8-BA8A-40BE-ADB5-07E1343FAE8E}" type="datetimeFigureOut">
               <a:rPr lang="zh-TW" altLang="en-US" smtClean="0"/>
-              <a:t>2018-11-14</a:t>
+              <a:t>2018-11-15</a:t>
             </a:fld>
             <a:endParaRPr lang="zh-TW" altLang="en-US"/>
           </a:p>
@@ -2573,7 +2574,7 @@
           <a:p>
             <a:fld id="{6E8ECDC8-BA8A-40BE-ADB5-07E1343FAE8E}" type="datetimeFigureOut">
               <a:rPr lang="zh-TW" altLang="en-US" smtClean="0"/>
-              <a:t>2018-11-14</a:t>
+              <a:t>2018-11-15</a:t>
             </a:fld>
             <a:endParaRPr lang="zh-TW" altLang="en-US"/>
           </a:p>
@@ -2988,7 +2989,12 @@
             <p:ph type="ctrTitle"/>
           </p:nvPr>
         </p:nvSpPr>
-        <p:spPr/>
+        <p:spPr>
+          <a:xfrm>
+            <a:off x="1524000" y="924791"/>
+            <a:ext cx="9144000" cy="3408218"/>
+          </a:xfrm>
+        </p:spPr>
         <p:txBody>
           <a:bodyPr>
             <a:normAutofit fontScale="90000"/>
@@ -2996,19 +3002,19 @@
           <a:lstStyle/>
           <a:p>
             <a:r>
-              <a:rPr lang="en-US" altLang="zh-TW" dirty="0"/>
+              <a:rPr lang="en-US" altLang="zh-TW" sz="7300" b="1" dirty="0"/>
               <a:t>JPA</a:t>
             </a:r>
             <a:r>
-              <a:rPr lang="zh-TW" altLang="en-US" dirty="0"/>
+              <a:rPr lang="zh-TW" altLang="en-US" sz="7300" b="1" dirty="0"/>
               <a:t> </a:t>
             </a:r>
             <a:r>
-              <a:rPr lang="en-US" altLang="zh-TW" dirty="0"/>
+              <a:rPr lang="en-US" altLang="zh-TW" sz="7300" b="1" dirty="0"/>
               <a:t>Tutorial</a:t>
             </a:r>
             <a:br>
-              <a:rPr lang="en-US" altLang="zh-TW" dirty="0"/>
+              <a:rPr lang="en-US" altLang="zh-TW" sz="7300" b="1" dirty="0"/>
             </a:br>
             <a:r>
               <a:rPr lang="en-US" altLang="zh-TW" dirty="0"/>
@@ -3043,7 +3049,12 @@
             <p:ph type="subTitle" idx="1"/>
           </p:nvPr>
         </p:nvSpPr>
-        <p:spPr/>
+        <p:spPr>
+          <a:xfrm>
+            <a:off x="1524000" y="4696690"/>
+            <a:ext cx="9144000" cy="561109"/>
+          </a:xfrm>
+        </p:spPr>
         <p:txBody>
           <a:bodyPr/>
           <a:lstStyle/>
@@ -10445,7 +10456,11 @@
           <a:bodyPr/>
           <a:lstStyle/>
           <a:p>
-            <a:endParaRPr lang="zh-TW" altLang="en-US"/>
+            <a:r>
+              <a:rPr lang="en-US" altLang="zh-TW" dirty="0" smtClean="0"/>
+              <a:t>PROPAGATION_REQUIRED</a:t>
+            </a:r>
+            <a:endParaRPr lang="zh-TW" altLang="en-US" dirty="0"/>
           </a:p>
         </p:txBody>
       </p:sp>
@@ -10473,13 +10488,6 @@
           <a:lstStyle/>
           <a:p>
             <a:r>
-              <a:rPr lang="en-US" altLang="zh-TW" dirty="0"/>
-              <a:t>PROPAGATION_REQUIRED</a:t>
-            </a:r>
-          </a:p>
-          <a:p>
-            <a:pPr lvl="1"/>
-            <a:r>
               <a:rPr lang="en-US" altLang="zh-TW" dirty="0" smtClean="0"/>
               <a:t>When </a:t>
             </a:r>
@@ -10489,7 +10497,7 @@
             </a:r>
           </a:p>
           <a:p>
-            <a:pPr lvl="2"/>
+            <a:pPr lvl="1"/>
             <a:r>
               <a:rPr lang="en-US" altLang="zh-TW" dirty="0"/>
               <a:t>a logical transaction scope is created for each </a:t>
@@ -10501,7 +10509,7 @@
             <a:endParaRPr lang="en-US" altLang="zh-TW" dirty="0"/>
           </a:p>
           <a:p>
-            <a:pPr lvl="2"/>
+            <a:pPr lvl="1"/>
             <a:r>
               <a:rPr lang="en-US" altLang="zh-TW" dirty="0" smtClean="0"/>
               <a:t>all </a:t>
@@ -10513,11 +10521,10 @@
             <a:endParaRPr lang="en-US" altLang="zh-TW" dirty="0" smtClean="0"/>
           </a:p>
           <a:p>
-            <a:pPr lvl="2"/>
+            <a:pPr lvl="1"/>
             <a:endParaRPr lang="en-US" altLang="zh-TW" dirty="0" smtClean="0"/>
           </a:p>
           <a:p>
-            <a:pPr lvl="1"/>
             <a:r>
               <a:rPr lang="en-US" altLang="zh-TW" dirty="0" smtClean="0"/>
               <a:t>When </a:t>
@@ -10545,11 +10552,9 @@
             <a:endParaRPr lang="en-US" altLang="zh-TW" dirty="0" smtClean="0"/>
           </a:p>
           <a:p>
-            <a:pPr lvl="1"/>
             <a:endParaRPr lang="en-US" altLang="zh-TW" dirty="0" smtClean="0"/>
           </a:p>
           <a:p>
-            <a:pPr lvl="1"/>
             <a:r>
               <a:rPr lang="en-US" altLang="zh-TW" dirty="0" smtClean="0"/>
               <a:t>The </a:t>
@@ -10747,6 +10752,10 @@
           <a:bodyPr/>
           <a:lstStyle/>
           <a:p>
+            <a:r>
+              <a:rPr lang="en-US" altLang="zh-TW" dirty="0" smtClean="0"/>
+              <a:t>PROPAGATION_REQUIRES_NEW</a:t>
+            </a:r>
             <a:endParaRPr lang="zh-TW" altLang="en-US" dirty="0"/>
           </a:p>
         </p:txBody>
@@ -10774,10 +10783,6 @@
           </a:bodyPr>
           <a:lstStyle/>
           <a:p>
-            <a:r>
-              <a:rPr lang="en-US" altLang="zh-TW" dirty="0" smtClean="0"/>
-              <a:t>PROPAGATION_REQUIRES_NEW</a:t>
-            </a:r>
             <a:endParaRPr lang="en-US" altLang="zh-TW" dirty="0"/>
           </a:p>
         </p:txBody>
@@ -10874,7 +10879,11 @@
           <a:bodyPr/>
           <a:lstStyle/>
           <a:p>
-            <a:endParaRPr lang="zh-TW" altLang="en-US"/>
+            <a:r>
+              <a:rPr lang="en-US" altLang="zh-TW" dirty="0" smtClean="0"/>
+              <a:t>PROPAGATION_REQUIRES_NEW</a:t>
+            </a:r>
+            <a:endParaRPr lang="zh-TW" altLang="en-US" dirty="0"/>
           </a:p>
         </p:txBody>
       </p:sp>
@@ -10894,13 +10903,6 @@
           <a:lstStyle/>
           <a:p>
             <a:r>
-              <a:rPr lang="en-US" altLang="zh-TW" dirty="0"/>
-              <a:t>PROPAGATION_REQUIRES_NEW</a:t>
-            </a:r>
-          </a:p>
-          <a:p>
-            <a:pPr lvl="1"/>
-            <a:r>
               <a:rPr lang="en-US" altLang="zh-TW" dirty="0" smtClean="0"/>
               <a:t>always </a:t>
             </a:r>
@@ -10908,9 +10910,12 @@
               <a:rPr lang="en-US" altLang="zh-TW" dirty="0"/>
               <a:t>uses an independent physical transaction for each affected transaction scope, never participating in an existing transaction for an outer scope. </a:t>
             </a:r>
-          </a:p>
-          <a:p>
-            <a:pPr lvl="1"/>
+            <a:endParaRPr lang="en-US" altLang="zh-TW" dirty="0" smtClean="0"/>
+          </a:p>
+          <a:p>
+            <a:endParaRPr lang="en-US" altLang="zh-TW" dirty="0"/>
+          </a:p>
+          <a:p>
             <a:r>
               <a:rPr lang="en-US" altLang="zh-TW" dirty="0" smtClean="0"/>
               <a:t>the </a:t>
@@ -10923,10 +10928,11 @@
               <a:rPr lang="en-US" altLang="zh-TW" dirty="0" smtClean="0"/>
               <a:t>independently </a:t>
             </a:r>
+          </a:p>
+          <a:p>
             <a:endParaRPr lang="en-US" altLang="zh-TW" dirty="0"/>
           </a:p>
           <a:p>
-            <a:pPr lvl="1"/>
             <a:r>
               <a:rPr lang="en-US" altLang="zh-TW" dirty="0"/>
               <a:t>an outer transaction not affected by an inner transaction’s rollback status. </a:t>
@@ -10989,7 +10995,11 @@
           <a:bodyPr/>
           <a:lstStyle/>
           <a:p>
-            <a:endParaRPr lang="zh-TW" altLang="en-US"/>
+            <a:r>
+              <a:rPr lang="en-US" altLang="zh-TW" dirty="0"/>
+              <a:t>PROPAGATION_NESTED </a:t>
+            </a:r>
+            <a:endParaRPr lang="zh-TW" altLang="en-US" dirty="0"/>
           </a:p>
         </p:txBody>
       </p:sp>
@@ -11011,17 +11021,11 @@
         </p:nvSpPr>
         <p:spPr/>
         <p:txBody>
-          <a:bodyPr/>
+          <a:bodyPr>
+            <a:normAutofit lnSpcReduction="10000"/>
+          </a:bodyPr>
           <a:lstStyle/>
           <a:p>
-            <a:r>
-              <a:rPr lang="en-US" altLang="zh-TW" dirty="0"/>
-              <a:t>PROPAGATION_NESTED </a:t>
-            </a:r>
-            <a:endParaRPr lang="en-US" altLang="zh-TW" dirty="0" smtClean="0"/>
-          </a:p>
-          <a:p>
-            <a:pPr lvl="1"/>
             <a:r>
               <a:rPr lang="en-US" altLang="zh-TW" dirty="0" smtClean="0"/>
               <a:t>uses a single physical transaction with multiple </a:t>
@@ -11036,7 +11040,9 @@
             </a:r>
           </a:p>
           <a:p>
-            <a:pPr lvl="1"/>
+            <a:endParaRPr lang="en-US" altLang="zh-TW" dirty="0" smtClean="0"/>
+          </a:p>
+          <a:p>
             <a:r>
               <a:rPr lang="en-US" altLang="zh-TW" dirty="0" smtClean="0"/>
               <a:t>Such </a:t>
@@ -11045,9 +11051,12 @@
               <a:rPr lang="en-US" altLang="zh-TW" dirty="0"/>
               <a:t>partial rollbacks allow an inner transaction scope to trigger a rollback for its scope, with the outer transaction being able to continue the physical transaction despite some operations having been rolled back. </a:t>
             </a:r>
-          </a:p>
-          <a:p>
-            <a:pPr lvl="1"/>
+            <a:endParaRPr lang="en-US" altLang="zh-TW" dirty="0" smtClean="0"/>
+          </a:p>
+          <a:p>
+            <a:endParaRPr lang="en-US" altLang="zh-TW" dirty="0"/>
+          </a:p>
+          <a:p>
             <a:r>
               <a:rPr lang="en-US" altLang="zh-TW" dirty="0"/>
               <a:t>This setting is typically mapped onto JDBC </a:t>
@@ -11167,7 +11176,7 @@
         </p:nvSpPr>
         <p:spPr bwMode="auto">
           <a:xfrm>
-            <a:off x="1391550" y="2164041"/>
+            <a:off x="1152558" y="1825625"/>
             <a:ext cx="5153975" cy="1815882"/>
           </a:xfrm>
           <a:prstGeom prst="rect">
@@ -11737,7 +11746,7 @@
         </p:nvSpPr>
         <p:spPr bwMode="auto">
           <a:xfrm>
-            <a:off x="838200" y="4145638"/>
+            <a:off x="838200" y="4001294"/>
             <a:ext cx="10620215" cy="2031325"/>
           </a:xfrm>
           <a:prstGeom prst="rect">
@@ -12883,11 +12892,7 @@
           <a:p>
             <a:r>
               <a:rPr lang="en-US" altLang="zh-TW" dirty="0" smtClean="0"/>
-              <a:t>Annotations </a:t>
-            </a:r>
-            <a:r>
-              <a:rPr lang="en-US" altLang="zh-TW" dirty="0" smtClean="0"/>
-              <a:t>for DAO</a:t>
+              <a:t>Annotations for DAO</a:t>
             </a:r>
             <a:endParaRPr lang="zh-TW" altLang="en-US" dirty="0"/>
           </a:p>
@@ -12923,7 +12928,26 @@
           <a:p>
             <a:r>
               <a:rPr lang="en-US" altLang="zh-TW" dirty="0"/>
-              <a:t>Any DAO or repository implementation will need to access to a persistence resource, depending on the persistence technology used</a:t>
+              <a:t>Any DAO or repository implementation will need to access to a persistence resource, depending on the persistence technology </a:t>
+            </a:r>
+            <a:r>
+              <a:rPr lang="en-US" altLang="zh-TW" dirty="0" smtClean="0"/>
+              <a:t>used</a:t>
+            </a:r>
+          </a:p>
+          <a:p>
+            <a:pPr lvl="1"/>
+            <a:r>
+              <a:rPr lang="en-US" altLang="zh-TW" dirty="0" smtClean="0"/>
+              <a:t>ex: use @</a:t>
+            </a:r>
+            <a:r>
+              <a:rPr lang="en-US" altLang="zh-TW" dirty="0" err="1" smtClean="0"/>
+              <a:t>PersistenceContext</a:t>
+            </a:r>
+            <a:r>
+              <a:rPr lang="en-US" altLang="zh-TW" dirty="0" smtClean="0"/>
+              <a:t> annotation for JPA</a:t>
             </a:r>
             <a:endParaRPr lang="en-US" altLang="zh-TW" dirty="0"/>
           </a:p>
@@ -12945,7 +12969,7 @@
         </p:nvSpPr>
         <p:spPr bwMode="auto">
           <a:xfrm>
-            <a:off x="1972846" y="4105121"/>
+            <a:off x="1983237" y="4361081"/>
             <a:ext cx="6019597" cy="1815882"/>
           </a:xfrm>
           <a:prstGeom prst="rect">
@@ -13520,6 +13544,13 @@
             <a:r>
               <a:rPr lang="en-US" altLang="zh-TW" dirty="0" smtClean="0"/>
               <a:t>.</a:t>
+            </a:r>
+          </a:p>
+          <a:p>
+            <a:pPr lvl="1"/>
+            <a:r>
+              <a:rPr lang="en-US" altLang="zh-TW" dirty="0" smtClean="0"/>
+              <a:t>The original exceptions will be wrapped in exceptions that Spring Framework provides.</a:t>
             </a:r>
             <a:endParaRPr lang="zh-TW" altLang="en-US" dirty="0"/>
           </a:p>
@@ -13707,15 +13738,15 @@
           <a:p>
             <a:r>
               <a:rPr lang="en-US" altLang="zh-TW" dirty="0" smtClean="0"/>
-              <a:t>9. Application</a:t>
-            </a:r>
-            <a:r>
-              <a:rPr lang="zh-TW" altLang="en-US" dirty="0" smtClean="0"/>
-              <a:t> </a:t>
+              <a:t>9</a:t>
             </a:r>
             <a:r>
               <a:rPr lang="en-US" altLang="zh-TW" dirty="0" smtClean="0"/>
-              <a:t>Design Pattern</a:t>
+              <a:t>. Application </a:t>
+            </a:r>
+            <a:r>
+              <a:rPr lang="en-US" altLang="zh-TW" dirty="0" smtClean="0"/>
+              <a:t>Structure</a:t>
             </a:r>
             <a:endParaRPr lang="zh-TW" altLang="en-US" dirty="0"/>
           </a:p>
@@ -13735,7 +13766,7 @@
         </p:nvSpPr>
         <p:spPr>
           <a:xfrm>
-            <a:off x="4123766" y="3122407"/>
+            <a:off x="3604221" y="3569216"/>
             <a:ext cx="1299882" cy="613186"/>
           </a:xfrm>
           <a:prstGeom prst="rect">
@@ -13793,7 +13824,7 @@
         </p:nvSpPr>
         <p:spPr>
           <a:xfrm>
-            <a:off x="6326167" y="3124200"/>
+            <a:off x="5806622" y="3571009"/>
             <a:ext cx="1299882" cy="613186"/>
           </a:xfrm>
           <a:prstGeom prst="rect">
@@ -13823,9 +13854,10 @@
           <a:p>
             <a:pPr algn="ctr"/>
             <a:r>
-              <a:rPr lang="en-US" altLang="zh-TW" dirty="0"/>
-              <a:t>Dao</a:t>
-            </a:r>
+              <a:rPr lang="en-US" altLang="zh-TW" dirty="0" smtClean="0"/>
+              <a:t>DAO</a:t>
+            </a:r>
+            <a:endParaRPr lang="en-US" altLang="zh-TW" dirty="0"/>
           </a:p>
           <a:p>
             <a:pPr algn="ctr"/>
@@ -13851,7 +13883,7 @@
         </p:nvSpPr>
         <p:spPr>
           <a:xfrm>
-            <a:off x="8257609" y="3122407"/>
+            <a:off x="7852365" y="3569216"/>
             <a:ext cx="1299882" cy="613186"/>
           </a:xfrm>
           <a:prstGeom prst="rect">
@@ -13902,7 +13934,7 @@
         </p:nvSpPr>
         <p:spPr>
           <a:xfrm>
-            <a:off x="1974250" y="3122407"/>
+            <a:off x="1454705" y="3569216"/>
             <a:ext cx="1299882" cy="613186"/>
           </a:xfrm>
           <a:prstGeom prst="rect">
@@ -13952,7 +13984,7 @@
         </p:nvCxnSpPr>
         <p:spPr>
           <a:xfrm>
-            <a:off x="3274132" y="3429000"/>
+            <a:off x="2754587" y="3875809"/>
             <a:ext cx="849634" cy="0"/>
           </a:xfrm>
           <a:prstGeom prst="straightConnector1">
@@ -13994,7 +14026,7 @@
         </p:nvCxnSpPr>
         <p:spPr>
           <a:xfrm>
-            <a:off x="5423648" y="3429000"/>
+            <a:off x="4904103" y="3875809"/>
             <a:ext cx="902519" cy="1793"/>
           </a:xfrm>
           <a:prstGeom prst="straightConnector1">
@@ -14036,8 +14068,8 @@
         </p:nvCxnSpPr>
         <p:spPr>
           <a:xfrm flipV="1">
-            <a:off x="7626049" y="3429000"/>
-            <a:ext cx="631560" cy="1793"/>
+            <a:off x="7106504" y="3875809"/>
+            <a:ext cx="745861" cy="1793"/>
           </a:xfrm>
           <a:prstGeom prst="straightConnector1">
             <a:avLst/>
@@ -14075,7 +14107,7 @@
         </p:nvSpPr>
         <p:spPr>
           <a:xfrm>
-            <a:off x="6326167" y="4650581"/>
+            <a:off x="5806622" y="5097390"/>
             <a:ext cx="1299882" cy="613186"/>
           </a:xfrm>
           <a:prstGeom prst="rect">
@@ -14105,8 +14137,8 @@
           <a:p>
             <a:pPr algn="ctr"/>
             <a:r>
-              <a:rPr lang="en-US" altLang="zh-TW" dirty="0" err="1"/>
-              <a:t>DaoImpl</a:t>
+              <a:rPr lang="en-US" altLang="zh-TW" dirty="0" err="1" smtClean="0"/>
+              <a:t>DAOImpl</a:t>
             </a:r>
             <a:endParaRPr lang="zh-TW" altLang="en-US" dirty="0"/>
           </a:p>
@@ -14126,7 +14158,7 @@
         </p:nvSpPr>
         <p:spPr>
           <a:xfrm>
-            <a:off x="4123766" y="4649685"/>
+            <a:off x="3604221" y="5096494"/>
             <a:ext cx="1299882" cy="613186"/>
           </a:xfrm>
           <a:prstGeom prst="rect">
@@ -14180,7 +14212,7 @@
         </p:nvCxnSpPr>
         <p:spPr>
           <a:xfrm flipV="1">
-            <a:off x="5423648" y="3733801"/>
+            <a:off x="4904103" y="4180610"/>
             <a:ext cx="902519" cy="1222477"/>
           </a:xfrm>
           <a:prstGeom prst="straightConnector1">
@@ -14221,7 +14253,7 @@
         </p:nvCxnSpPr>
         <p:spPr>
           <a:xfrm flipV="1">
-            <a:off x="4773707" y="3735593"/>
+            <a:off x="4254162" y="4182402"/>
             <a:ext cx="0" cy="914092"/>
           </a:xfrm>
           <a:prstGeom prst="straightConnector1">
@@ -14263,7 +14295,7 @@
         </p:nvCxnSpPr>
         <p:spPr>
           <a:xfrm flipV="1">
-            <a:off x="6976108" y="3737386"/>
+            <a:off x="6456563" y="4184195"/>
             <a:ext cx="0" cy="913195"/>
           </a:xfrm>
           <a:prstGeom prst="straightConnector1">
@@ -14305,8 +14337,8 @@
         </p:nvCxnSpPr>
         <p:spPr>
           <a:xfrm flipV="1">
-            <a:off x="7626049" y="3733801"/>
-            <a:ext cx="616769" cy="1223373"/>
+            <a:off x="7106504" y="4216967"/>
+            <a:ext cx="745861" cy="1187016"/>
           </a:xfrm>
           <a:prstGeom prst="straightConnector1">
             <a:avLst/>
@@ -14337,9 +14369,9 @@
           <p:nvPr/>
         </p:nvCxnSpPr>
         <p:spPr>
-          <a:xfrm>
-            <a:off x="7949673" y="1825625"/>
-            <a:ext cx="0" cy="4351338"/>
+          <a:xfrm flipH="1">
+            <a:off x="7408718" y="2252399"/>
+            <a:ext cx="2861" cy="3899020"/>
           </a:xfrm>
           <a:prstGeom prst="line">
             <a:avLst/>
@@ -14371,8 +14403,8 @@
         </p:nvCxnSpPr>
         <p:spPr>
           <a:xfrm>
-            <a:off x="6015985" y="1825625"/>
-            <a:ext cx="0" cy="4351338"/>
+            <a:off x="5443009" y="2303607"/>
+            <a:ext cx="22609" cy="3837421"/>
           </a:xfrm>
           <a:prstGeom prst="line">
             <a:avLst/>
@@ -14404,8 +14436,8 @@
         </p:nvCxnSpPr>
         <p:spPr>
           <a:xfrm>
-            <a:off x="3747243" y="1825625"/>
-            <a:ext cx="0" cy="4351338"/>
+            <a:off x="3227698" y="2313998"/>
+            <a:ext cx="14265" cy="3837421"/>
           </a:xfrm>
           <a:prstGeom prst="line">
             <a:avLst/>
@@ -14437,7 +14469,7 @@
         </p:nvSpPr>
         <p:spPr>
           <a:xfrm>
-            <a:off x="3978882" y="1998572"/>
+            <a:off x="3448105" y="2117740"/>
             <a:ext cx="1825231" cy="461665"/>
           </a:xfrm>
           <a:prstGeom prst="rect">
@@ -14475,7 +14507,7 @@
         </p:nvSpPr>
         <p:spPr>
           <a:xfrm>
-            <a:off x="6224764" y="1998572"/>
+            <a:off x="5693987" y="2117740"/>
             <a:ext cx="1484894" cy="461665"/>
           </a:xfrm>
           <a:prstGeom prst="rect">
@@ -14513,7 +14545,7 @@
         </p:nvSpPr>
         <p:spPr>
           <a:xfrm>
-            <a:off x="8499811" y="1986497"/>
+            <a:off x="8156072" y="2116056"/>
             <a:ext cx="596382" cy="461665"/>
           </a:xfrm>
           <a:prstGeom prst="rect">
@@ -14551,7 +14583,7 @@
         </p:nvSpPr>
         <p:spPr>
           <a:xfrm>
-            <a:off x="8167302" y="4497823"/>
+            <a:off x="7741276" y="4944632"/>
             <a:ext cx="1696882" cy="612648"/>
           </a:xfrm>
           <a:prstGeom prst="flowChartProcess">
@@ -14594,6 +14626,127 @@
           </a:p>
         </p:txBody>
       </p:sp>
+      <p:sp>
+        <p:nvSpPr>
+          <p:cNvPr id="26" name="文字方塊 25">
+            <a:extLst>
+              <a:ext uri="{FF2B5EF4-FFF2-40B4-BE49-F238E27FC236}">
+                <a16:creationId xmlns:a16="http://schemas.microsoft.com/office/drawing/2014/main" id="{DFAB1B0C-DBE2-4123-9C28-1F4644707739}"/>
+              </a:ext>
+            </a:extLst>
+          </p:cNvPr>
+          <p:cNvSpPr txBox="1"/>
+          <p:nvPr/>
+        </p:nvSpPr>
+        <p:spPr>
+          <a:xfrm>
+            <a:off x="2592022" y="2683648"/>
+            <a:ext cx="1299882" cy="468693"/>
+          </a:xfrm>
+          <a:prstGeom prst="rect">
+            <a:avLst/>
+          </a:prstGeom>
+          <a:ln w="19050"/>
+        </p:spPr>
+        <p:style>
+          <a:lnRef idx="2">
+            <a:schemeClr val="dk1"/>
+          </a:lnRef>
+          <a:fillRef idx="1">
+            <a:schemeClr val="lt1"/>
+          </a:fillRef>
+          <a:effectRef idx="0">
+            <a:schemeClr val="dk1"/>
+          </a:effectRef>
+          <a:fontRef idx="minor">
+            <a:schemeClr val="dk1"/>
+          </a:fontRef>
+        </p:style>
+        <p:txBody>
+          <a:bodyPr wrap="square" rtlCol="0">
+            <a:noAutofit/>
+          </a:bodyPr>
+          <a:lstStyle/>
+          <a:p>
+            <a:pPr algn="ctr"/>
+            <a:r>
+              <a:rPr lang="en-US" altLang="zh-TW" dirty="0" smtClean="0"/>
+              <a:t>DTO</a:t>
+            </a:r>
+            <a:endParaRPr lang="zh-TW" altLang="en-US" dirty="0"/>
+          </a:p>
+        </p:txBody>
+      </p:sp>
+      <p:cxnSp>
+        <p:nvCxnSpPr>
+          <p:cNvPr id="16" name="直線單箭頭接點 15"/>
+          <p:cNvCxnSpPr>
+            <a:stCxn id="4" idx="0"/>
+          </p:cNvCxnSpPr>
+          <p:nvPr/>
+        </p:nvCxnSpPr>
+        <p:spPr>
+          <a:xfrm flipH="1" flipV="1">
+            <a:off x="3891904" y="3192591"/>
+            <a:ext cx="362258" cy="376625"/>
+          </a:xfrm>
+          <a:prstGeom prst="straightConnector1">
+            <a:avLst/>
+          </a:prstGeom>
+          <a:ln>
+            <a:tailEnd type="arrow" w="med" len="lg"/>
+          </a:ln>
+        </p:spPr>
+        <p:style>
+          <a:lnRef idx="1">
+            <a:schemeClr val="accent1"/>
+          </a:lnRef>
+          <a:fillRef idx="0">
+            <a:schemeClr val="accent1"/>
+          </a:fillRef>
+          <a:effectRef idx="0">
+            <a:schemeClr val="accent1"/>
+          </a:effectRef>
+          <a:fontRef idx="minor">
+            <a:schemeClr val="tx1"/>
+          </a:fontRef>
+        </p:style>
+      </p:cxnSp>
+      <p:cxnSp>
+        <p:nvCxnSpPr>
+          <p:cNvPr id="18" name="直線單箭頭接點 17"/>
+          <p:cNvCxnSpPr>
+            <a:stCxn id="7" idx="0"/>
+          </p:cNvCxnSpPr>
+          <p:nvPr/>
+        </p:nvCxnSpPr>
+        <p:spPr>
+          <a:xfrm flipV="1">
+            <a:off x="2104646" y="3152341"/>
+            <a:ext cx="487376" cy="416875"/>
+          </a:xfrm>
+          <a:prstGeom prst="straightConnector1">
+            <a:avLst/>
+          </a:prstGeom>
+          <a:ln>
+            <a:tailEnd type="arrow" w="med" len="lg"/>
+          </a:ln>
+        </p:spPr>
+        <p:style>
+          <a:lnRef idx="1">
+            <a:schemeClr val="accent1"/>
+          </a:lnRef>
+          <a:fillRef idx="0">
+            <a:schemeClr val="accent1"/>
+          </a:fillRef>
+          <a:effectRef idx="0">
+            <a:schemeClr val="accent1"/>
+          </a:effectRef>
+          <a:fontRef idx="minor">
+            <a:schemeClr val="tx1"/>
+          </a:fontRef>
+        </p:style>
+      </p:cxnSp>
     </p:spTree>
     <p:extLst>
       <p:ext uri="{BB962C8B-B14F-4D97-AF65-F5344CB8AC3E}">
@@ -14688,11 +14841,7 @@
             </a:r>
             <a:r>
               <a:rPr lang="en-US" altLang="zh-TW" dirty="0" smtClean="0"/>
-              <a:t>  </a:t>
-            </a:r>
-            <a:r>
-              <a:rPr lang="en-US" altLang="zh-TW" dirty="0" smtClean="0"/>
-              <a:t>annotation</a:t>
+              <a:t>  annotation</a:t>
             </a:r>
             <a:endParaRPr lang="zh-TW" altLang="en-US" dirty="0"/>
           </a:p>
@@ -15461,11 +15610,7 @@
             </a:r>
             <a:r>
               <a:rPr lang="en-US" altLang="zh-TW" dirty="0" smtClean="0"/>
-              <a:t>@Service </a:t>
-            </a:r>
-            <a:r>
-              <a:rPr lang="en-US" altLang="zh-TW" dirty="0" smtClean="0"/>
-              <a:t>and @</a:t>
+              <a:t>@Service and @</a:t>
             </a:r>
             <a:r>
               <a:rPr lang="en-US" altLang="zh-TW" dirty="0" err="1" smtClean="0"/>
@@ -15494,8 +15639,8 @@
         </p:nvSpPr>
         <p:spPr>
           <a:xfrm>
-            <a:off x="706582" y="2611746"/>
-            <a:ext cx="10647218" cy="3108543"/>
+            <a:off x="1113559" y="2642919"/>
+            <a:ext cx="9964882" cy="3108543"/>
           </a:xfrm>
           <a:prstGeom prst="rect">
             <a:avLst/>
@@ -15851,16 +15996,7 @@
                 </a:solidFill>
                 <a:latin typeface="Courier New" panose="02070309020205020404" pitchFamily="49" charset="0"/>
               </a:rPr>
-              <a:t>    </a:t>
-            </a:r>
-            <a:r>
-              <a:rPr lang="en-US" altLang="zh-TW" sz="1400" b="1" dirty="0" smtClean="0">
-                <a:solidFill>
-                  <a:srgbClr val="7F0055"/>
-                </a:solidFill>
-                <a:latin typeface="Courier New" panose="02070309020205020404" pitchFamily="49" charset="0"/>
-              </a:rPr>
-              <a:t>public</a:t>
+              <a:t>    public</a:t>
             </a:r>
             <a:r>
               <a:rPr lang="en-US" altLang="zh-TW" sz="1400" b="1" dirty="0" smtClean="0">
@@ -16183,11 +16319,7 @@
           <a:p>
             <a:r>
               <a:rPr lang="en-US" altLang="zh-TW" dirty="0" smtClean="0"/>
-              <a:t>1. Introduction </a:t>
-            </a:r>
-            <a:r>
-              <a:rPr lang="en-US" altLang="zh-TW" dirty="0" smtClean="0"/>
-              <a:t>to Spring Transaction Management</a:t>
+              <a:t>1. Introduction to Spring Transaction Management</a:t>
             </a:r>
             <a:endParaRPr lang="zh-TW" altLang="en-US" dirty="0"/>
           </a:p>
@@ -16262,6 +16394,618 @@
 </file>
 
 <file path=ppt/slides/slide30.xml><?xml version="1.0" encoding="utf-8"?>
+<p:sld xmlns:a="http://schemas.openxmlformats.org/drawingml/2006/main" xmlns:r="http://schemas.openxmlformats.org/officeDocument/2006/relationships" xmlns:p="http://schemas.openxmlformats.org/presentationml/2006/main">
+  <p:cSld>
+    <p:spTree>
+      <p:nvGrpSpPr>
+        <p:cNvPr id="1" name=""/>
+        <p:cNvGrpSpPr/>
+        <p:nvPr/>
+      </p:nvGrpSpPr>
+      <p:grpSpPr>
+        <a:xfrm>
+          <a:off x="0" y="0"/>
+          <a:ext cx="0" cy="0"/>
+          <a:chOff x="0" y="0"/>
+          <a:chExt cx="0" cy="0"/>
+        </a:xfrm>
+      </p:grpSpPr>
+      <p:sp>
+        <p:nvSpPr>
+          <p:cNvPr id="2" name="標題 1"/>
+          <p:cNvSpPr>
+            <a:spLocks noGrp="1"/>
+          </p:cNvSpPr>
+          <p:nvPr>
+            <p:ph type="title"/>
+          </p:nvPr>
+        </p:nvSpPr>
+        <p:spPr/>
+        <p:txBody>
+          <a:bodyPr/>
+          <a:lstStyle/>
+          <a:p>
+            <a:r>
+              <a:rPr lang="en-US" altLang="zh-TW" dirty="0" smtClean="0"/>
+              <a:t>DTO (Data Transfer Object)</a:t>
+            </a:r>
+            <a:endParaRPr lang="zh-TW" altLang="en-US" dirty="0"/>
+          </a:p>
+        </p:txBody>
+      </p:sp>
+      <p:sp>
+        <p:nvSpPr>
+          <p:cNvPr id="3" name="內容版面配置區 2"/>
+          <p:cNvSpPr>
+            <a:spLocks noGrp="1"/>
+          </p:cNvSpPr>
+          <p:nvPr>
+            <p:ph idx="1"/>
+          </p:nvPr>
+        </p:nvSpPr>
+        <p:spPr/>
+        <p:txBody>
+          <a:bodyPr/>
+          <a:lstStyle/>
+          <a:p>
+            <a:r>
+              <a:rPr lang="en-US" altLang="zh-TW" dirty="0"/>
+              <a:t>DTOs are used only to transfer data from one process or context to another</a:t>
+            </a:r>
+            <a:r>
+              <a:rPr lang="en-US" altLang="zh-TW" dirty="0" smtClean="0"/>
+              <a:t>.</a:t>
+            </a:r>
+          </a:p>
+          <a:p>
+            <a:r>
+              <a:rPr lang="en-US" altLang="zh-TW" dirty="0" smtClean="0"/>
+              <a:t>When returning objects to caller, one should use DTO instead of entity to avoid unexpected errors.</a:t>
+            </a:r>
+            <a:endParaRPr lang="zh-TW" altLang="en-US" dirty="0"/>
+          </a:p>
+        </p:txBody>
+      </p:sp>
+      <p:sp>
+        <p:nvSpPr>
+          <p:cNvPr id="4" name="矩形 3"/>
+          <p:cNvSpPr/>
+          <p:nvPr/>
+        </p:nvSpPr>
+        <p:spPr>
+          <a:xfrm>
+            <a:off x="2428011" y="3813535"/>
+            <a:ext cx="4845626" cy="2862322"/>
+          </a:xfrm>
+          <a:prstGeom prst="rect">
+            <a:avLst/>
+          </a:prstGeom>
+        </p:spPr>
+        <p:txBody>
+          <a:bodyPr wrap="square">
+            <a:spAutoFit/>
+          </a:bodyPr>
+          <a:lstStyle/>
+          <a:p>
+            <a:r>
+              <a:rPr lang="en-US" altLang="zh-TW" sz="1200" b="1" dirty="0">
+                <a:solidFill>
+                  <a:srgbClr val="7F0055"/>
+                </a:solidFill>
+                <a:latin typeface="Courier New" panose="02070309020205020404" pitchFamily="49" charset="0"/>
+              </a:rPr>
+              <a:t>public</a:t>
+            </a:r>
+            <a:r>
+              <a:rPr lang="en-US" altLang="zh-TW" sz="1200" b="1" dirty="0">
+                <a:solidFill>
+                  <a:srgbClr val="000000"/>
+                </a:solidFill>
+                <a:latin typeface="Courier New" panose="02070309020205020404" pitchFamily="49" charset="0"/>
+              </a:rPr>
+              <a:t> </a:t>
+            </a:r>
+            <a:r>
+              <a:rPr lang="en-US" altLang="zh-TW" sz="1200" b="1" dirty="0">
+                <a:solidFill>
+                  <a:srgbClr val="7F0055"/>
+                </a:solidFill>
+                <a:latin typeface="Courier New" panose="02070309020205020404" pitchFamily="49" charset="0"/>
+              </a:rPr>
+              <a:t>class</a:t>
+            </a:r>
+            <a:r>
+              <a:rPr lang="en-US" altLang="zh-TW" sz="1200" b="1" dirty="0">
+                <a:solidFill>
+                  <a:srgbClr val="000000"/>
+                </a:solidFill>
+                <a:latin typeface="Courier New" panose="02070309020205020404" pitchFamily="49" charset="0"/>
+              </a:rPr>
+              <a:t> </a:t>
+            </a:r>
+            <a:r>
+              <a:rPr lang="en-US" altLang="zh-TW" sz="1200" b="1" dirty="0" err="1">
+                <a:solidFill>
+                  <a:srgbClr val="000000"/>
+                </a:solidFill>
+                <a:latin typeface="Courier New" panose="02070309020205020404" pitchFamily="49" charset="0"/>
+              </a:rPr>
+              <a:t>PersonDTO</a:t>
+            </a:r>
+            <a:r>
+              <a:rPr lang="en-US" altLang="zh-TW" sz="1200" b="1" dirty="0">
+                <a:solidFill>
+                  <a:srgbClr val="000000"/>
+                </a:solidFill>
+                <a:latin typeface="Courier New" panose="02070309020205020404" pitchFamily="49" charset="0"/>
+              </a:rPr>
+              <a:t> </a:t>
+            </a:r>
+            <a:r>
+              <a:rPr lang="en-US" altLang="zh-TW" sz="1200" b="1" dirty="0">
+                <a:solidFill>
+                  <a:srgbClr val="7F0055"/>
+                </a:solidFill>
+                <a:latin typeface="Courier New" panose="02070309020205020404" pitchFamily="49" charset="0"/>
+              </a:rPr>
+              <a:t>implements</a:t>
+            </a:r>
+            <a:r>
+              <a:rPr lang="en-US" altLang="zh-TW" sz="1200" b="1" dirty="0">
+                <a:solidFill>
+                  <a:srgbClr val="000000"/>
+                </a:solidFill>
+                <a:latin typeface="Courier New" panose="02070309020205020404" pitchFamily="49" charset="0"/>
+              </a:rPr>
+              <a:t> Serializable {</a:t>
+            </a:r>
+          </a:p>
+          <a:p>
+            <a:endParaRPr lang="zh-TW" altLang="en-US" sz="1200" dirty="0">
+              <a:latin typeface="Courier New" panose="02070309020205020404" pitchFamily="49" charset="0"/>
+            </a:endParaRPr>
+          </a:p>
+          <a:p>
+            <a:r>
+              <a:rPr lang="en-US" altLang="zh-TW" sz="1200" b="1" dirty="0" smtClean="0">
+                <a:solidFill>
+                  <a:srgbClr val="7F0055"/>
+                </a:solidFill>
+                <a:latin typeface="Courier New" panose="02070309020205020404" pitchFamily="49" charset="0"/>
+              </a:rPr>
+              <a:t>    private</a:t>
+            </a:r>
+            <a:r>
+              <a:rPr lang="en-US" altLang="zh-TW" sz="1200" b="1" dirty="0" smtClean="0">
+                <a:solidFill>
+                  <a:srgbClr val="000000"/>
+                </a:solidFill>
+                <a:latin typeface="Courier New" panose="02070309020205020404" pitchFamily="49" charset="0"/>
+              </a:rPr>
+              <a:t> </a:t>
+            </a:r>
+            <a:r>
+              <a:rPr lang="en-US" altLang="zh-TW" sz="1200" b="1" dirty="0">
+                <a:solidFill>
+                  <a:srgbClr val="000000"/>
+                </a:solidFill>
+                <a:latin typeface="Courier New" panose="02070309020205020404" pitchFamily="49" charset="0"/>
+              </a:rPr>
+              <a:t>Long </a:t>
+            </a:r>
+            <a:r>
+              <a:rPr lang="en-US" altLang="zh-TW" sz="1200" b="1" dirty="0">
+                <a:solidFill>
+                  <a:srgbClr val="0000C0"/>
+                </a:solidFill>
+                <a:latin typeface="Courier New" panose="02070309020205020404" pitchFamily="49" charset="0"/>
+              </a:rPr>
+              <a:t>id</a:t>
+            </a:r>
+            <a:r>
+              <a:rPr lang="en-US" altLang="zh-TW" sz="1200" b="1" dirty="0">
+                <a:solidFill>
+                  <a:srgbClr val="000000"/>
+                </a:solidFill>
+                <a:latin typeface="Courier New" panose="02070309020205020404" pitchFamily="49" charset="0"/>
+              </a:rPr>
+              <a:t>;</a:t>
+            </a:r>
+          </a:p>
+          <a:p>
+            <a:r>
+              <a:rPr lang="en-US" altLang="zh-TW" sz="1200" b="1" dirty="0" smtClean="0">
+                <a:solidFill>
+                  <a:srgbClr val="7F0055"/>
+                </a:solidFill>
+                <a:latin typeface="Courier New" panose="02070309020205020404" pitchFamily="49" charset="0"/>
+              </a:rPr>
+              <a:t>    private</a:t>
+            </a:r>
+            <a:r>
+              <a:rPr lang="en-US" altLang="zh-TW" sz="1200" b="1" dirty="0" smtClean="0">
+                <a:solidFill>
+                  <a:srgbClr val="000000"/>
+                </a:solidFill>
+                <a:latin typeface="Courier New" panose="02070309020205020404" pitchFamily="49" charset="0"/>
+              </a:rPr>
+              <a:t> </a:t>
+            </a:r>
+            <a:r>
+              <a:rPr lang="en-US" altLang="zh-TW" sz="1200" b="1" dirty="0">
+                <a:solidFill>
+                  <a:srgbClr val="000000"/>
+                </a:solidFill>
+                <a:latin typeface="Courier New" panose="02070309020205020404" pitchFamily="49" charset="0"/>
+              </a:rPr>
+              <a:t>String </a:t>
+            </a:r>
+            <a:r>
+              <a:rPr lang="en-US" altLang="zh-TW" sz="1200" b="1" dirty="0">
+                <a:solidFill>
+                  <a:srgbClr val="0000C0"/>
+                </a:solidFill>
+                <a:latin typeface="Courier New" panose="02070309020205020404" pitchFamily="49" charset="0"/>
+              </a:rPr>
+              <a:t>country</a:t>
+            </a:r>
+            <a:r>
+              <a:rPr lang="en-US" altLang="zh-TW" sz="1200" b="1" dirty="0">
+                <a:solidFill>
+                  <a:srgbClr val="000000"/>
+                </a:solidFill>
+                <a:latin typeface="Courier New" panose="02070309020205020404" pitchFamily="49" charset="0"/>
+              </a:rPr>
+              <a:t>;</a:t>
+            </a:r>
+          </a:p>
+          <a:p>
+            <a:r>
+              <a:rPr lang="en-US" altLang="zh-TW" sz="1200" b="1" dirty="0" smtClean="0">
+                <a:solidFill>
+                  <a:srgbClr val="7F0055"/>
+                </a:solidFill>
+                <a:latin typeface="Courier New" panose="02070309020205020404" pitchFamily="49" charset="0"/>
+              </a:rPr>
+              <a:t>    private</a:t>
+            </a:r>
+            <a:r>
+              <a:rPr lang="en-US" altLang="zh-TW" sz="1200" b="1" dirty="0" smtClean="0">
+                <a:solidFill>
+                  <a:srgbClr val="000000"/>
+                </a:solidFill>
+                <a:latin typeface="Courier New" panose="02070309020205020404" pitchFamily="49" charset="0"/>
+              </a:rPr>
+              <a:t> </a:t>
+            </a:r>
+            <a:r>
+              <a:rPr lang="en-US" altLang="zh-TW" sz="1200" b="1" dirty="0">
+                <a:solidFill>
+                  <a:srgbClr val="000000"/>
+                </a:solidFill>
+                <a:latin typeface="Courier New" panose="02070309020205020404" pitchFamily="49" charset="0"/>
+              </a:rPr>
+              <a:t>String </a:t>
+            </a:r>
+            <a:r>
+              <a:rPr lang="en-US" altLang="zh-TW" sz="1200" b="1" dirty="0">
+                <a:solidFill>
+                  <a:srgbClr val="0000C0"/>
+                </a:solidFill>
+                <a:latin typeface="Courier New" panose="02070309020205020404" pitchFamily="49" charset="0"/>
+              </a:rPr>
+              <a:t>name</a:t>
+            </a:r>
+            <a:r>
+              <a:rPr lang="en-US" altLang="zh-TW" sz="1200" b="1" dirty="0">
+                <a:solidFill>
+                  <a:srgbClr val="000000"/>
+                </a:solidFill>
+                <a:latin typeface="Courier New" panose="02070309020205020404" pitchFamily="49" charset="0"/>
+              </a:rPr>
+              <a:t>;</a:t>
+            </a:r>
+          </a:p>
+          <a:p>
+            <a:r>
+              <a:rPr lang="en-US" altLang="zh-TW" sz="1200" b="1" dirty="0" smtClean="0">
+                <a:solidFill>
+                  <a:srgbClr val="7F0055"/>
+                </a:solidFill>
+                <a:latin typeface="Courier New" panose="02070309020205020404" pitchFamily="49" charset="0"/>
+              </a:rPr>
+              <a:t>    private</a:t>
+            </a:r>
+            <a:r>
+              <a:rPr lang="en-US" altLang="zh-TW" sz="1200" b="1" dirty="0" smtClean="0">
+                <a:solidFill>
+                  <a:srgbClr val="000000"/>
+                </a:solidFill>
+                <a:latin typeface="Courier New" panose="02070309020205020404" pitchFamily="49" charset="0"/>
+              </a:rPr>
+              <a:t> </a:t>
+            </a:r>
+            <a:r>
+              <a:rPr lang="en-US" altLang="zh-TW" sz="1200" b="1" dirty="0">
+                <a:solidFill>
+                  <a:srgbClr val="000000"/>
+                </a:solidFill>
+                <a:latin typeface="Courier New" panose="02070309020205020404" pitchFamily="49" charset="0"/>
+              </a:rPr>
+              <a:t>Date </a:t>
+            </a:r>
+            <a:r>
+              <a:rPr lang="en-US" altLang="zh-TW" sz="1200" b="1" dirty="0" err="1">
+                <a:solidFill>
+                  <a:srgbClr val="0000C0"/>
+                </a:solidFill>
+                <a:latin typeface="Courier New" panose="02070309020205020404" pitchFamily="49" charset="0"/>
+              </a:rPr>
+              <a:t>modifyDate</a:t>
+            </a:r>
+            <a:r>
+              <a:rPr lang="en-US" altLang="zh-TW" sz="1200" b="1" dirty="0">
+                <a:solidFill>
+                  <a:srgbClr val="000000"/>
+                </a:solidFill>
+                <a:latin typeface="Courier New" panose="02070309020205020404" pitchFamily="49" charset="0"/>
+              </a:rPr>
+              <a:t>;</a:t>
+            </a:r>
+          </a:p>
+          <a:p>
+            <a:r>
+              <a:rPr lang="en-US" altLang="zh-TW" sz="1200" b="1" dirty="0" smtClean="0">
+                <a:solidFill>
+                  <a:srgbClr val="7F0055"/>
+                </a:solidFill>
+                <a:latin typeface="Courier New" panose="02070309020205020404" pitchFamily="49" charset="0"/>
+              </a:rPr>
+              <a:t>    private</a:t>
+            </a:r>
+            <a:r>
+              <a:rPr lang="en-US" altLang="zh-TW" sz="1200" b="1" dirty="0" smtClean="0">
+                <a:solidFill>
+                  <a:srgbClr val="000000"/>
+                </a:solidFill>
+                <a:latin typeface="Courier New" panose="02070309020205020404" pitchFamily="49" charset="0"/>
+              </a:rPr>
+              <a:t> </a:t>
+            </a:r>
+            <a:r>
+              <a:rPr lang="en-US" altLang="zh-TW" sz="1200" b="1" dirty="0" err="1">
+                <a:solidFill>
+                  <a:srgbClr val="7F0055"/>
+                </a:solidFill>
+                <a:latin typeface="Courier New" panose="02070309020205020404" pitchFamily="49" charset="0"/>
+              </a:rPr>
+              <a:t>int</a:t>
+            </a:r>
+            <a:r>
+              <a:rPr lang="en-US" altLang="zh-TW" sz="1200" b="1" dirty="0">
+                <a:solidFill>
+                  <a:srgbClr val="000000"/>
+                </a:solidFill>
+                <a:latin typeface="Courier New" panose="02070309020205020404" pitchFamily="49" charset="0"/>
+              </a:rPr>
+              <a:t> </a:t>
+            </a:r>
+            <a:r>
+              <a:rPr lang="en-US" altLang="zh-TW" sz="1200" b="1" dirty="0">
+                <a:solidFill>
+                  <a:srgbClr val="0000C0"/>
+                </a:solidFill>
+                <a:latin typeface="Courier New" panose="02070309020205020404" pitchFamily="49" charset="0"/>
+              </a:rPr>
+              <a:t>version</a:t>
+            </a:r>
+            <a:r>
+              <a:rPr lang="en-US" altLang="zh-TW" sz="1200" b="1" dirty="0">
+                <a:solidFill>
+                  <a:srgbClr val="000000"/>
+                </a:solidFill>
+                <a:latin typeface="Courier New" panose="02070309020205020404" pitchFamily="49" charset="0"/>
+              </a:rPr>
+              <a:t>;</a:t>
+            </a:r>
+          </a:p>
+          <a:p>
+            <a:endParaRPr lang="zh-TW" altLang="en-US" sz="1200" dirty="0">
+              <a:latin typeface="Courier New" panose="02070309020205020404" pitchFamily="49" charset="0"/>
+            </a:endParaRPr>
+          </a:p>
+          <a:p>
+            <a:r>
+              <a:rPr lang="en-US" altLang="zh-TW" sz="1200" b="1" dirty="0" smtClean="0">
+                <a:solidFill>
+                  <a:srgbClr val="7F0055"/>
+                </a:solidFill>
+                <a:latin typeface="Courier New" panose="02070309020205020404" pitchFamily="49" charset="0"/>
+              </a:rPr>
+              <a:t>    private</a:t>
+            </a:r>
+            <a:r>
+              <a:rPr lang="en-US" altLang="zh-TW" sz="1200" b="1" dirty="0" smtClean="0">
+                <a:solidFill>
+                  <a:srgbClr val="000000"/>
+                </a:solidFill>
+                <a:latin typeface="Courier New" panose="02070309020205020404" pitchFamily="49" charset="0"/>
+              </a:rPr>
+              <a:t> </a:t>
+            </a:r>
+            <a:r>
+              <a:rPr lang="en-US" altLang="zh-TW" sz="1200" b="1" dirty="0">
+                <a:solidFill>
+                  <a:srgbClr val="000000"/>
+                </a:solidFill>
+                <a:latin typeface="Courier New" panose="02070309020205020404" pitchFamily="49" charset="0"/>
+              </a:rPr>
+              <a:t>Integer </a:t>
+            </a:r>
+            <a:r>
+              <a:rPr lang="en-US" altLang="zh-TW" sz="1200" b="1" dirty="0" err="1">
+                <a:solidFill>
+                  <a:srgbClr val="0000C0"/>
+                </a:solidFill>
+                <a:latin typeface="Courier New" panose="02070309020205020404" pitchFamily="49" charset="0"/>
+              </a:rPr>
+              <a:t>departmentId</a:t>
+            </a:r>
+            <a:r>
+              <a:rPr lang="en-US" altLang="zh-TW" sz="1200" b="1" dirty="0">
+                <a:solidFill>
+                  <a:srgbClr val="000000"/>
+                </a:solidFill>
+                <a:latin typeface="Courier New" panose="02070309020205020404" pitchFamily="49" charset="0"/>
+              </a:rPr>
+              <a:t>;</a:t>
+            </a:r>
+          </a:p>
+          <a:p>
+            <a:r>
+              <a:rPr lang="en-US" altLang="zh-TW" sz="1200" b="1" dirty="0" smtClean="0">
+                <a:solidFill>
+                  <a:srgbClr val="7F0055"/>
+                </a:solidFill>
+                <a:latin typeface="Courier New" panose="02070309020205020404" pitchFamily="49" charset="0"/>
+              </a:rPr>
+              <a:t>    private</a:t>
+            </a:r>
+            <a:r>
+              <a:rPr lang="en-US" altLang="zh-TW" sz="1200" b="1" dirty="0" smtClean="0">
+                <a:solidFill>
+                  <a:srgbClr val="000000"/>
+                </a:solidFill>
+                <a:latin typeface="Courier New" panose="02070309020205020404" pitchFamily="49" charset="0"/>
+              </a:rPr>
+              <a:t> </a:t>
+            </a:r>
+            <a:r>
+              <a:rPr lang="en-US" altLang="zh-TW" sz="1200" b="1" dirty="0">
+                <a:solidFill>
+                  <a:srgbClr val="000000"/>
+                </a:solidFill>
+                <a:latin typeface="Courier New" panose="02070309020205020404" pitchFamily="49" charset="0"/>
+              </a:rPr>
+              <a:t>String </a:t>
+            </a:r>
+            <a:r>
+              <a:rPr lang="en-US" altLang="zh-TW" sz="1200" b="1" dirty="0" err="1">
+                <a:solidFill>
+                  <a:srgbClr val="0000C0"/>
+                </a:solidFill>
+                <a:latin typeface="Courier New" panose="02070309020205020404" pitchFamily="49" charset="0"/>
+              </a:rPr>
+              <a:t>departmentName</a:t>
+            </a:r>
+            <a:r>
+              <a:rPr lang="en-US" altLang="zh-TW" sz="1200" b="1" dirty="0">
+                <a:solidFill>
+                  <a:srgbClr val="000000"/>
+                </a:solidFill>
+                <a:latin typeface="Courier New" panose="02070309020205020404" pitchFamily="49" charset="0"/>
+              </a:rPr>
+              <a:t>;</a:t>
+            </a:r>
+          </a:p>
+          <a:p>
+            <a:endParaRPr lang="zh-TW" altLang="en-US" sz="1200" dirty="0">
+              <a:latin typeface="Courier New" panose="02070309020205020404" pitchFamily="49" charset="0"/>
+            </a:endParaRPr>
+          </a:p>
+          <a:p>
+            <a:r>
+              <a:rPr lang="en-US" altLang="zh-TW" sz="1200" b="1" dirty="0" smtClean="0">
+                <a:solidFill>
+                  <a:srgbClr val="7F0055"/>
+                </a:solidFill>
+                <a:latin typeface="Courier New" panose="02070309020205020404" pitchFamily="49" charset="0"/>
+              </a:rPr>
+              <a:t>    private</a:t>
+            </a:r>
+            <a:r>
+              <a:rPr lang="en-US" altLang="zh-TW" sz="1200" b="1" dirty="0" smtClean="0">
+                <a:solidFill>
+                  <a:srgbClr val="000000"/>
+                </a:solidFill>
+                <a:latin typeface="Courier New" panose="02070309020205020404" pitchFamily="49" charset="0"/>
+              </a:rPr>
+              <a:t> </a:t>
+            </a:r>
+            <a:r>
+              <a:rPr lang="en-US" altLang="zh-TW" sz="1200" b="1" dirty="0">
+                <a:solidFill>
+                  <a:srgbClr val="000000"/>
+                </a:solidFill>
+                <a:latin typeface="Courier New" panose="02070309020205020404" pitchFamily="49" charset="0"/>
+              </a:rPr>
+              <a:t>String </a:t>
+            </a:r>
+            <a:r>
+              <a:rPr lang="en-US" altLang="zh-TW" sz="1200" b="1" dirty="0" err="1">
+                <a:solidFill>
+                  <a:srgbClr val="0000C0"/>
+                </a:solidFill>
+                <a:latin typeface="Courier New" panose="02070309020205020404" pitchFamily="49" charset="0"/>
+              </a:rPr>
+              <a:t>personDetailTitle</a:t>
+            </a:r>
+            <a:r>
+              <a:rPr lang="en-US" altLang="zh-TW" sz="1200" b="1" dirty="0">
+                <a:solidFill>
+                  <a:srgbClr val="000000"/>
+                </a:solidFill>
+                <a:latin typeface="Courier New" panose="02070309020205020404" pitchFamily="49" charset="0"/>
+              </a:rPr>
+              <a:t>;</a:t>
+            </a:r>
+          </a:p>
+          <a:p>
+            <a:endParaRPr lang="en-US" altLang="zh-TW" sz="1200" dirty="0" smtClean="0">
+              <a:latin typeface="Courier New" panose="02070309020205020404" pitchFamily="49" charset="0"/>
+            </a:endParaRPr>
+          </a:p>
+          <a:p>
+            <a:r>
+              <a:rPr lang="en-US" altLang="zh-TW" sz="1200" dirty="0">
+                <a:latin typeface="Courier New" panose="02070309020205020404" pitchFamily="49" charset="0"/>
+              </a:rPr>
+              <a:t> </a:t>
+            </a:r>
+            <a:r>
+              <a:rPr lang="en-US" altLang="zh-TW" sz="1200" dirty="0" smtClean="0">
+                <a:latin typeface="Courier New" panose="02070309020205020404" pitchFamily="49" charset="0"/>
+              </a:rPr>
+              <a:t>   // getter and setter methods ......</a:t>
+            </a:r>
+          </a:p>
+          <a:p>
+            <a:r>
+              <a:rPr lang="en-US" altLang="zh-TW" sz="1200" dirty="0">
+                <a:latin typeface="Courier New" panose="02070309020205020404" pitchFamily="49" charset="0"/>
+              </a:rPr>
+              <a:t>}</a:t>
+            </a:r>
+            <a:endParaRPr lang="zh-TW" altLang="en-US" sz="1200" dirty="0">
+              <a:latin typeface="Courier New" panose="02070309020205020404" pitchFamily="49" charset="0"/>
+            </a:endParaRPr>
+          </a:p>
+        </p:txBody>
+      </p:sp>
+    </p:spTree>
+    <p:extLst>
+      <p:ext uri="{BB962C8B-B14F-4D97-AF65-F5344CB8AC3E}">
+        <p14:creationId xmlns:p14="http://schemas.microsoft.com/office/powerpoint/2010/main" val="1562577551"/>
+      </p:ext>
+    </p:extLst>
+  </p:cSld>
+  <p:clrMapOvr>
+    <a:masterClrMapping/>
+  </p:clrMapOvr>
+</p:sld>
+</file>
+
+<file path=ppt/slides/slide31.xml><?xml version="1.0" encoding="utf-8"?>
 <p:sld xmlns:a="http://schemas.openxmlformats.org/drawingml/2006/main" xmlns:r="http://schemas.openxmlformats.org/officeDocument/2006/relationships" xmlns:p="http://schemas.openxmlformats.org/presentationml/2006/main">
   <p:cSld>
     <p:spTree>
@@ -17306,7 +18050,7 @@
 </p:sld>
 </file>
 
-<file path=ppt/slides/slide31.xml><?xml version="1.0" encoding="utf-8"?>
+<file path=ppt/slides/slide32.xml><?xml version="1.0" encoding="utf-8"?>
 <p:sld xmlns:a="http://schemas.openxmlformats.org/drawingml/2006/main" xmlns:r="http://schemas.openxmlformats.org/officeDocument/2006/relationships" xmlns:p="http://schemas.openxmlformats.org/presentationml/2006/main">
   <p:cSld>
     <p:spTree>
@@ -17512,11 +18256,7 @@
           <a:p>
             <a:r>
               <a:rPr lang="en-US" altLang="zh-TW" dirty="0" smtClean="0"/>
-              <a:t>2. Transaction </a:t>
-            </a:r>
-            <a:r>
-              <a:rPr lang="en-US" altLang="zh-TW" dirty="0" smtClean="0"/>
-              <a:t>Abstraction</a:t>
+              <a:t>2. Transaction Abstraction</a:t>
             </a:r>
             <a:endParaRPr lang="zh-TW" altLang="en-US" dirty="0"/>
           </a:p>
@@ -17929,11 +18669,7 @@
           <a:p>
             <a:r>
               <a:rPr lang="en-US" altLang="zh-TW" dirty="0" smtClean="0"/>
-              <a:t>3. Configuration </a:t>
-            </a:r>
-            <a:r>
-              <a:rPr lang="en-US" altLang="zh-TW" dirty="0" smtClean="0"/>
-              <a:t>for </a:t>
+              <a:t>3. Configuration for </a:t>
             </a:r>
             <a:r>
               <a:rPr lang="en-US" altLang="zh-TW" dirty="0" err="1" smtClean="0"/>
